--- a/CNN/Meetingsslide 1.pptx
+++ b/CNN/Meetingsslide 1.pptx
@@ -6,9 +6,8 @@
   </p:sldMasterIdLst>
   <p:sldIdLst>
     <p:sldId id="256" r:id="rId2"/>
-    <p:sldId id="257" r:id="rId3"/>
-    <p:sldId id="258" r:id="rId4"/>
-    <p:sldId id="259" r:id="rId5"/>
+    <p:sldId id="258" r:id="rId3"/>
+    <p:sldId id="259" r:id="rId4"/>
   </p:sldIdLst>
   <p:sldSz cx="12192000" cy="6858000"/>
   <p:notesSz cx="6858000" cy="9144000"/>
@@ -3601,281 +3600,6 @@
         </p:nvSpPr>
         <p:spPr>
           <a:xfrm>
-            <a:off x="1524000" y="304800"/>
-            <a:ext cx="9144000" cy="1500996"/>
-          </a:xfrm>
-        </p:spPr>
-        <p:txBody>
-          <a:bodyPr>
-            <a:normAutofit/>
-          </a:bodyPr>
-          <a:lstStyle/>
-          <a:p>
-            <a:r>
-              <a:rPr lang="de-DE" sz="4800" dirty="0"/>
-              <a:t>Neuerungen</a:t>
-            </a:r>
-          </a:p>
-        </p:txBody>
-      </p:sp>
-      <p:sp>
-        <p:nvSpPr>
-          <p:cNvPr id="3" name="Untertitel 2">
-            <a:extLst>
-              <a:ext uri="{FF2B5EF4-FFF2-40B4-BE49-F238E27FC236}">
-                <a16:creationId xmlns:a16="http://schemas.microsoft.com/office/drawing/2014/main" id="{9F6B37FA-6CCE-FF69-A062-BD9B930F0078}"/>
-              </a:ext>
-            </a:extLst>
-          </p:cNvPr>
-          <p:cNvSpPr>
-            <a:spLocks noGrp="1"/>
-          </p:cNvSpPr>
-          <p:nvPr>
-            <p:ph type="subTitle" idx="1"/>
-          </p:nvPr>
-        </p:nvSpPr>
-        <p:spPr>
-          <a:xfrm>
-            <a:off x="1524000" y="2714444"/>
-            <a:ext cx="9144000" cy="3347050"/>
-          </a:xfrm>
-        </p:spPr>
-        <p:txBody>
-          <a:bodyPr vert="horz" lIns="91440" tIns="45720" rIns="91440" bIns="45720" rtlCol="0" anchor="t">
-            <a:normAutofit lnSpcReduction="10000"/>
-          </a:bodyPr>
-          <a:lstStyle/>
-          <a:p>
-            <a:pPr marL="342900" indent="-342900" algn="l">
-              <a:buFontTx/>
-              <a:buChar char="-"/>
-            </a:pPr>
-            <a:r>
-              <a:rPr lang="de-DE" dirty="0"/>
-              <a:t>Optimierung der Hyperparameter </a:t>
-            </a:r>
-            <a:r>
-              <a:rPr lang="de-DE" dirty="0" err="1"/>
-              <a:t>Randomize</a:t>
-            </a:r>
-            <a:r>
-              <a:rPr lang="de-DE" dirty="0"/>
-              <a:t>-Search --&gt; </a:t>
-            </a:r>
-            <a:r>
-              <a:rPr lang="de-DE" dirty="0" err="1"/>
-              <a:t>Optuna</a:t>
-            </a:r>
-            <a:r>
-              <a:rPr lang="de-DE" dirty="0"/>
-              <a:t> </a:t>
-            </a:r>
-          </a:p>
-          <a:p>
-            <a:pPr marL="342900" indent="-342900" algn="l">
-              <a:buFontTx/>
-              <a:buChar char="-"/>
-            </a:pPr>
-            <a:r>
-              <a:rPr lang="de-DE" dirty="0"/>
-              <a:t>Segmentierung Vergleich </a:t>
-            </a:r>
-            <a:r>
-              <a:rPr lang="de-DE" dirty="0" err="1"/>
-              <a:t>Randomize</a:t>
-            </a:r>
-            <a:r>
-              <a:rPr lang="de-DE" dirty="0"/>
-              <a:t> </a:t>
-            </a:r>
-            <a:r>
-              <a:rPr lang="de-DE" dirty="0" err="1"/>
-              <a:t>vs</a:t>
-            </a:r>
-            <a:r>
-              <a:rPr lang="de-DE" dirty="0"/>
-              <a:t> </a:t>
-            </a:r>
-            <a:r>
-              <a:rPr lang="de-DE" dirty="0" err="1"/>
-              <a:t>Optuna</a:t>
-            </a:r>
-          </a:p>
-          <a:p>
-            <a:pPr marL="342900" indent="-342900" algn="l">
-              <a:buFontTx/>
-              <a:buChar char="-"/>
-            </a:pPr>
-            <a:endParaRPr lang="de-DE" dirty="0"/>
-          </a:p>
-          <a:p>
-            <a:pPr marL="342900" indent="-342900" algn="l">
-              <a:buFontTx/>
-              <a:buChar char="-"/>
-            </a:pPr>
-            <a:endParaRPr lang="de-DE" dirty="0"/>
-          </a:p>
-          <a:p>
-            <a:pPr marL="342900" indent="-342900" algn="l">
-              <a:buFontTx/>
-              <a:buChar char="-"/>
-            </a:pPr>
-            <a:endParaRPr lang="de-DE" dirty="0"/>
-          </a:p>
-          <a:p>
-            <a:pPr marL="342900" indent="-342900" algn="l">
-              <a:buFontTx/>
-              <a:buChar char="-"/>
-            </a:pPr>
-            <a:endParaRPr lang="de-DE" dirty="0"/>
-          </a:p>
-          <a:p>
-            <a:pPr marL="342900" indent="-342900" algn="l">
-              <a:buFontTx/>
-              <a:buChar char="-"/>
-            </a:pPr>
-            <a:r>
-              <a:rPr lang="de-DE" dirty="0"/>
-              <a:t>Trainingsdaten auch Segmentieren</a:t>
-            </a:r>
-          </a:p>
-          <a:p>
-            <a:pPr marL="342900" indent="-342900" algn="l">
-              <a:buFontTx/>
-              <a:buChar char="-"/>
-            </a:pPr>
-            <a:r>
-              <a:rPr lang="de-DE" dirty="0"/>
-              <a:t>Code Verbesserung für weniger Redundanz und </a:t>
-            </a:r>
-            <a:r>
-              <a:rPr lang="de-DE" dirty="0" err="1"/>
-              <a:t>Bearbartungszeit</a:t>
-            </a:r>
-          </a:p>
-        </p:txBody>
-      </p:sp>
-      <p:pic>
-        <p:nvPicPr>
-          <p:cNvPr id="7" name="Grafik 6" descr="Ein Bild, das Text, Screenshot, Software, Display enthält.&#10;&#10;KI-generierte Inhalte können fehlerhaft sein.">
-            <a:extLst>
-              <a:ext uri="{FF2B5EF4-FFF2-40B4-BE49-F238E27FC236}">
-                <a16:creationId xmlns:a16="http://schemas.microsoft.com/office/drawing/2014/main" id="{99E9EC11-4D2E-94B7-93F7-1F369CD25149}"/>
-              </a:ext>
-            </a:extLst>
-          </p:cNvPr>
-          <p:cNvPicPr>
-            <a:picLocks noChangeAspect="1"/>
-          </p:cNvPicPr>
-          <p:nvPr/>
-        </p:nvPicPr>
-        <p:blipFill>
-          <a:blip r:embed="rId2"/>
-          <a:stretch>
-            <a:fillRect/>
-          </a:stretch>
-        </p:blipFill>
-        <p:spPr>
-          <a:xfrm>
-            <a:off x="1009901" y="3432317"/>
-            <a:ext cx="4515811" cy="3024996"/>
-          </a:xfrm>
-          <a:prstGeom prst="rect">
-            <a:avLst/>
-          </a:prstGeom>
-        </p:spPr>
-      </p:pic>
-      <p:sp>
-        <p:nvSpPr>
-          <p:cNvPr id="6" name="Textfeld 5">
-            <a:extLst>
-              <a:ext uri="{FF2B5EF4-FFF2-40B4-BE49-F238E27FC236}">
-                <a16:creationId xmlns:a16="http://schemas.microsoft.com/office/drawing/2014/main" id="{58FDC0CF-E7BD-F26F-1105-CB38619FE8B6}"/>
-              </a:ext>
-            </a:extLst>
-          </p:cNvPr>
-          <p:cNvSpPr txBox="1"/>
-          <p:nvPr/>
-        </p:nvSpPr>
-        <p:spPr>
-          <a:xfrm>
-            <a:off x="1956289" y="1807307"/>
-            <a:ext cx="1537839" cy="523220"/>
-          </a:xfrm>
-          <a:prstGeom prst="rect">
-            <a:avLst/>
-          </a:prstGeom>
-          <a:noFill/>
-        </p:spPr>
-        <p:txBody>
-          <a:bodyPr rot="0" spcFirstLastPara="0" vertOverflow="overflow" horzOverflow="overflow" vert="horz" wrap="square" lIns="91440" tIns="45720" rIns="91440" bIns="45720" numCol="1" spcCol="0" rtlCol="0" fromWordArt="0" anchor="t" anchorCtr="0" forceAA="0" compatLnSpc="1">
-            <a:prstTxWarp prst="textNoShape">
-              <a:avLst/>
-            </a:prstTxWarp>
-            <a:spAutoFit/>
-          </a:bodyPr>
-          <a:lstStyle/>
-          <a:p>
-            <a:pPr algn="l"/>
-            <a:r>
-              <a:rPr lang="de-DE" sz="2800" dirty="0">
-                <a:latin typeface="Aptos Display"/>
-                <a:ea typeface="Calibri"/>
-                <a:cs typeface="Calibri"/>
-              </a:rPr>
-              <a:t>SVM</a:t>
-            </a:r>
-          </a:p>
-        </p:txBody>
-      </p:sp>
-    </p:spTree>
-    <p:extLst>
-      <p:ext uri="{BB962C8B-B14F-4D97-AF65-F5344CB8AC3E}">
-        <p14:creationId xmlns:p14="http://schemas.microsoft.com/office/powerpoint/2010/main" val="1867562917"/>
-      </p:ext>
-    </p:extLst>
-  </p:cSld>
-  <p:clrMapOvr>
-    <a:masterClrMapping/>
-  </p:clrMapOvr>
-</p:sld>
-</file>
-
-<file path=ppt/slides/slide3.xml><?xml version="1.0" encoding="utf-8"?>
-<p:sld xmlns:a="http://schemas.openxmlformats.org/drawingml/2006/main" xmlns:r="http://schemas.openxmlformats.org/officeDocument/2006/relationships" xmlns:p="http://schemas.openxmlformats.org/presentationml/2006/main">
-  <p:cSld>
-    <p:spTree>
-      <p:nvGrpSpPr>
-        <p:cNvPr id="1" name=""/>
-        <p:cNvGrpSpPr/>
-        <p:nvPr/>
-      </p:nvGrpSpPr>
-      <p:grpSpPr>
-        <a:xfrm>
-          <a:off x="0" y="0"/>
-          <a:ext cx="0" cy="0"/>
-          <a:chOff x="0" y="0"/>
-          <a:chExt cx="0" cy="0"/>
-        </a:xfrm>
-      </p:grpSpPr>
-      <p:sp>
-        <p:nvSpPr>
-          <p:cNvPr id="2" name="Titel 1">
-            <a:extLst>
-              <a:ext uri="{FF2B5EF4-FFF2-40B4-BE49-F238E27FC236}">
-                <a16:creationId xmlns:a16="http://schemas.microsoft.com/office/drawing/2014/main" id="{C25AC58E-3948-52A0-0FE0-5771CD1D37F0}"/>
-              </a:ext>
-            </a:extLst>
-          </p:cNvPr>
-          <p:cNvSpPr>
-            <a:spLocks noGrp="1"/>
-          </p:cNvSpPr>
-          <p:nvPr>
-            <p:ph type="ctrTitle"/>
-          </p:nvPr>
-        </p:nvSpPr>
-        <p:spPr>
-          <a:xfrm>
             <a:off x="1250462" y="168030"/>
             <a:ext cx="9144000" cy="1002766"/>
           </a:xfrm>
@@ -4093,7 +3817,7 @@
 </p:sld>
 </file>
 
-<file path=ppt/slides/slide4.xml><?xml version="1.0" encoding="utf-8"?>
+<file path=ppt/slides/slide3.xml><?xml version="1.0" encoding="utf-8"?>
 <p:sld xmlns:a="http://schemas.openxmlformats.org/drawingml/2006/main" xmlns:r="http://schemas.openxmlformats.org/officeDocument/2006/relationships" xmlns:p="http://schemas.openxmlformats.org/presentationml/2006/main">
   <p:cSld>
     <p:spTree>
@@ -4142,56 +3866,6 @@
               <a:rPr lang="de-DE" sz="4800" dirty="0"/>
               <a:t>Neuerungen</a:t>
             </a:r>
-          </a:p>
-        </p:txBody>
-      </p:sp>
-      <p:sp>
-        <p:nvSpPr>
-          <p:cNvPr id="3" name="Untertitel 2">
-            <a:extLst>
-              <a:ext uri="{FF2B5EF4-FFF2-40B4-BE49-F238E27FC236}">
-                <a16:creationId xmlns:a16="http://schemas.microsoft.com/office/drawing/2014/main" id="{9F6B37FA-6CCE-FF69-A062-BD9B930F0078}"/>
-              </a:ext>
-            </a:extLst>
-          </p:cNvPr>
-          <p:cNvSpPr>
-            <a:spLocks noGrp="1"/>
-          </p:cNvSpPr>
-          <p:nvPr>
-            <p:ph type="subTitle" idx="1"/>
-          </p:nvPr>
-        </p:nvSpPr>
-        <p:spPr>
-          <a:xfrm>
-            <a:off x="752231" y="5059059"/>
-            <a:ext cx="9144000" cy="1188051"/>
-          </a:xfrm>
-        </p:spPr>
-        <p:txBody>
-          <a:bodyPr vert="horz" lIns="91440" tIns="45720" rIns="91440" bIns="45720" rtlCol="0" anchor="t">
-            <a:normAutofit/>
-          </a:bodyPr>
-          <a:lstStyle/>
-          <a:p>
-            <a:pPr algn="l">
-              <a:buFontTx/>
-            </a:pPr>
-            <a:endParaRPr lang="de-DE" dirty="0"/>
-          </a:p>
-          <a:p>
-            <a:pPr marL="342900" indent="-342900" algn="l">
-              <a:buFontTx/>
-              <a:buChar char="-"/>
-            </a:pPr>
-            <a:r>
-              <a:rPr lang="de-DE" dirty="0"/>
-              <a:t>Code Verbesserung für weniger Redundanz und </a:t>
-            </a:r>
-            <a:r>
-              <a:rPr lang="de-DE" dirty="0" err="1"/>
-              <a:t>Bearbartungszeit</a:t>
-            </a:r>
-            <a:endParaRPr lang="de-DE"/>
           </a:p>
         </p:txBody>
       </p:sp>
